--- a/R Language-2016.pptx
+++ b/R Language-2016.pptx
@@ -5,10 +5,10 @@
     <p:sldMasterId id="2147483684" r:id="rId2"/>
   </p:sldMasterIdLst>
   <p:notesMasterIdLst>
-    <p:notesMasterId r:id="rId27"/>
+    <p:notesMasterId r:id="rId28"/>
   </p:notesMasterIdLst>
   <p:handoutMasterIdLst>
-    <p:handoutMasterId r:id="rId28"/>
+    <p:handoutMasterId r:id="rId29"/>
   </p:handoutMasterIdLst>
   <p:sldIdLst>
     <p:sldId id="265" r:id="rId3"/>
@@ -35,6 +35,7 @@
     <p:sldId id="289" r:id="rId24"/>
     <p:sldId id="291" r:id="rId25"/>
     <p:sldId id="290" r:id="rId26"/>
+    <p:sldId id="292" r:id="rId27"/>
   </p:sldIdLst>
   <p:sldSz cx="12192000" cy="6858000"/>
   <p:notesSz cx="6858000" cy="9144000"/>
@@ -8490,6 +8491,102 @@
       </p:transition>
     </mc:Choice>
     <mc:Fallback xmlns="">
+      <p:transition spd="med">
+        <p:fade/>
+      </p:transition>
+    </mc:Fallback>
+  </mc:AlternateContent>
+</p:sld>
+</file>
+
+<file path=ppt/slides/slide25.xml><?xml version="1.0" encoding="utf-8"?>
+<p:sld xmlns:a="http://schemas.openxmlformats.org/drawingml/2006/main" xmlns:r="http://schemas.openxmlformats.org/officeDocument/2006/relationships" xmlns:p="http://schemas.openxmlformats.org/presentationml/2006/main">
+  <p:cSld>
+    <p:spTree>
+      <p:nvGrpSpPr>
+        <p:cNvPr id="1" name=""/>
+        <p:cNvGrpSpPr/>
+        <p:nvPr/>
+      </p:nvGrpSpPr>
+      <p:grpSpPr>
+        <a:xfrm>
+          <a:off x="0" y="0"/>
+          <a:ext cx="0" cy="0"/>
+          <a:chOff x="0" y="0"/>
+          <a:chExt cx="0" cy="0"/>
+        </a:xfrm>
+      </p:grpSpPr>
+      <p:sp>
+        <p:nvSpPr>
+          <p:cNvPr id="2" name="Content Placeholder 1"/>
+          <p:cNvSpPr>
+            <a:spLocks noGrp="1"/>
+          </p:cNvSpPr>
+          <p:nvPr>
+            <p:ph idx="1"/>
+          </p:nvPr>
+        </p:nvSpPr>
+        <p:spPr/>
+        <p:txBody>
+          <a:bodyPr/>
+          <a:lstStyle/>
+          <a:p>
+            <a:r>
+              <a:rPr lang="en-US" dirty="0" err="1" smtClean="0">
+                <a:hlinkClick r:id="rId2"/>
+              </a:rPr>
+              <a:t>Github</a:t>
+            </a:r>
+            <a:r>
+              <a:rPr lang="en-US" dirty="0" smtClean="0">
+                <a:hlinkClick r:id="rId2"/>
+              </a:rPr>
+              <a:t> Repository for slides and data</a:t>
+            </a:r>
+            <a:endParaRPr lang="en-US" dirty="0"/>
+          </a:p>
+        </p:txBody>
+      </p:sp>
+      <p:sp>
+        <p:nvSpPr>
+          <p:cNvPr id="3" name="Title 2"/>
+          <p:cNvSpPr>
+            <a:spLocks noGrp="1"/>
+          </p:cNvSpPr>
+          <p:nvPr>
+            <p:ph type="title"/>
+          </p:nvPr>
+        </p:nvSpPr>
+        <p:spPr/>
+        <p:txBody>
+          <a:bodyPr/>
+          <a:lstStyle/>
+          <a:p>
+            <a:r>
+              <a:rPr lang="en-US" dirty="0" smtClean="0"/>
+              <a:t>All Material can be found at</a:t>
+            </a:r>
+            <a:endParaRPr lang="en-US" dirty="0"/>
+          </a:p>
+        </p:txBody>
+      </p:sp>
+    </p:spTree>
+    <p:extLst>
+      <p:ext uri="{BB962C8B-B14F-4D97-AF65-F5344CB8AC3E}">
+        <p14:creationId xmlns:p14="http://schemas.microsoft.com/office/powerpoint/2010/main" val="2327073351"/>
+      </p:ext>
+    </p:extLst>
+  </p:cSld>
+  <p:clrMapOvr>
+    <a:masterClrMapping/>
+  </p:clrMapOvr>
+  <mc:AlternateContent xmlns:mc="http://schemas.openxmlformats.org/markup-compatibility/2006">
+    <mc:Choice xmlns:p14="http://schemas.microsoft.com/office/powerpoint/2010/main" Requires="p14">
+      <p:transition spd="med" p14:dur="700">
+        <p:fade/>
+      </p:transition>
+    </mc:Choice>
+    <mc:Fallback>
       <p:transition spd="med">
         <p:fade/>
       </p:transition>
